--- a/BookCompanions-v2/RP-Class-4.pptx
+++ b/BookCompanions-v2/RP-Class-4.pptx
@@ -20821,8 +20821,8 @@
           </a:p>
         </p:txBody>
       </p:sp>
-      <mc:AlternateContent xmlns:mc="http://schemas.openxmlformats.org/markup-compatibility/2006">
-        <mc:Choice xmlns:a14="http://schemas.microsoft.com/office/drawing/2010/main" Requires="a14">
+      <mc:AlternateContent xmlns:mc="http://schemas.openxmlformats.org/markup-compatibility/2006" xmlns:a14="http://schemas.microsoft.com/office/drawing/2010/main">
+        <mc:Choice Requires="a14">
           <p:sp>
             <p:nvSpPr>
               <p:cNvPr id="23" name="TextBox 22">
@@ -20965,7 +20965,7 @@
             </p:txBody>
           </p:sp>
         </mc:Choice>
-        <mc:Fallback>
+        <mc:Fallback xmlns="">
           <p:sp>
             <p:nvSpPr>
               <p:cNvPr id="23" name="TextBox 22">
@@ -21010,8 +21010,8 @@
           </p:sp>
         </mc:Fallback>
       </mc:AlternateContent>
-      <mc:AlternateContent xmlns:mc="http://schemas.openxmlformats.org/markup-compatibility/2006">
-        <mc:Choice xmlns:a14="http://schemas.microsoft.com/office/drawing/2010/main" Requires="a14">
+      <mc:AlternateContent xmlns:mc="http://schemas.openxmlformats.org/markup-compatibility/2006" xmlns:a14="http://schemas.microsoft.com/office/drawing/2010/main">
+        <mc:Choice Requires="a14">
           <p:sp>
             <p:nvSpPr>
               <p:cNvPr id="25" name="Rectangle 24">
@@ -21253,7 +21253,7 @@
             </p:txBody>
           </p:sp>
         </mc:Choice>
-        <mc:Fallback>
+        <mc:Fallback xmlns="">
           <p:sp>
             <p:nvSpPr>
               <p:cNvPr id="25" name="Rectangle 24">
@@ -21725,8 +21725,8 @@
           </a:p>
         </p:txBody>
       </p:sp>
-      <mc:AlternateContent xmlns:mc="http://schemas.openxmlformats.org/markup-compatibility/2006">
-        <mc:Choice xmlns:a14="http://schemas.microsoft.com/office/drawing/2010/main" Requires="a14">
+      <mc:AlternateContent xmlns:mc="http://schemas.openxmlformats.org/markup-compatibility/2006" xmlns:a14="http://schemas.microsoft.com/office/drawing/2010/main">
+        <mc:Choice Requires="a14">
           <p:sp>
             <p:nvSpPr>
               <p:cNvPr id="22" name="TextBox 21">
@@ -21876,7 +21876,7 @@
             </p:txBody>
           </p:sp>
         </mc:Choice>
-        <mc:Fallback>
+        <mc:Fallback xmlns="">
           <p:sp>
             <p:nvSpPr>
               <p:cNvPr id="22" name="TextBox 21">
@@ -21921,8 +21921,8 @@
           </p:sp>
         </mc:Fallback>
       </mc:AlternateContent>
-      <mc:AlternateContent xmlns:mc="http://schemas.openxmlformats.org/markup-compatibility/2006">
-        <mc:Choice xmlns:a14="http://schemas.microsoft.com/office/drawing/2010/main" Requires="a14">
+      <mc:AlternateContent xmlns:mc="http://schemas.openxmlformats.org/markup-compatibility/2006" xmlns:a14="http://schemas.microsoft.com/office/drawing/2010/main">
+        <mc:Choice Requires="a14">
           <p:sp>
             <p:nvSpPr>
               <p:cNvPr id="5" name="TextBox 4">
@@ -22078,7 +22078,7 @@
             </p:txBody>
           </p:sp>
         </mc:Choice>
-        <mc:Fallback>
+        <mc:Fallback xmlns="">
           <p:sp>
             <p:nvSpPr>
               <p:cNvPr id="5" name="TextBox 4">
@@ -22211,8 +22211,8 @@
           </a:p>
         </p:txBody>
       </p:sp>
-      <mc:AlternateContent xmlns:mc="http://schemas.openxmlformats.org/markup-compatibility/2006">
-        <mc:Choice xmlns:a14="http://schemas.microsoft.com/office/drawing/2010/main" Requires="a14">
+      <mc:AlternateContent xmlns:mc="http://schemas.openxmlformats.org/markup-compatibility/2006" xmlns:a14="http://schemas.microsoft.com/office/drawing/2010/main">
+        <mc:Choice Requires="a14">
           <p:sp>
             <p:nvSpPr>
               <p:cNvPr id="9" name="TextBox 8">
@@ -22323,7 +22323,7 @@
             </p:txBody>
           </p:sp>
         </mc:Choice>
-        <mc:Fallback>
+        <mc:Fallback xmlns="">
           <p:sp>
             <p:nvSpPr>
               <p:cNvPr id="9" name="TextBox 8">
@@ -22368,8 +22368,8 @@
           </p:sp>
         </mc:Fallback>
       </mc:AlternateContent>
-      <mc:AlternateContent xmlns:mc="http://schemas.openxmlformats.org/markup-compatibility/2006">
-        <mc:Choice xmlns:a14="http://schemas.microsoft.com/office/drawing/2010/main" Requires="a14">
+      <mc:AlternateContent xmlns:mc="http://schemas.openxmlformats.org/markup-compatibility/2006" xmlns:a14="http://schemas.microsoft.com/office/drawing/2010/main">
+        <mc:Choice Requires="a14">
           <p:sp>
             <p:nvSpPr>
               <p:cNvPr id="7" name="Rectangle 6">
@@ -22774,7 +22774,7 @@
             </p:txBody>
           </p:sp>
         </mc:Choice>
-        <mc:Fallback>
+        <mc:Fallback xmlns="">
           <p:sp>
             <p:nvSpPr>
               <p:cNvPr id="7" name="Rectangle 6">
@@ -23456,8 +23456,8 @@
           </p:sp>
         </mc:Fallback>
       </mc:AlternateContent>
-      <mc:AlternateContent xmlns:mc="http://schemas.openxmlformats.org/markup-compatibility/2006">
-        <mc:Choice xmlns:a14="http://schemas.microsoft.com/office/drawing/2010/main" Requires="a14">
+      <mc:AlternateContent xmlns:mc="http://schemas.openxmlformats.org/markup-compatibility/2006" xmlns:a14="http://schemas.microsoft.com/office/drawing/2010/main">
+        <mc:Choice Requires="a14">
           <p:sp>
             <p:nvSpPr>
               <p:cNvPr id="6" name="Rectangle 5">
@@ -23616,7 +23616,7 @@
             </p:txBody>
           </p:sp>
         </mc:Choice>
-        <mc:Fallback>
+        <mc:Fallback xmlns="">
           <p:sp>
             <p:nvSpPr>
               <p:cNvPr id="6" name="Rectangle 5">
@@ -23661,8 +23661,8 @@
           </p:sp>
         </mc:Fallback>
       </mc:AlternateContent>
-      <mc:AlternateContent xmlns:mc="http://schemas.openxmlformats.org/markup-compatibility/2006">
-        <mc:Choice xmlns:a14="http://schemas.microsoft.com/office/drawing/2010/main" Requires="a14">
+      <mc:AlternateContent xmlns:mc="http://schemas.openxmlformats.org/markup-compatibility/2006" xmlns:a14="http://schemas.microsoft.com/office/drawing/2010/main">
+        <mc:Choice Requires="a14">
           <p:sp>
             <p:nvSpPr>
               <p:cNvPr id="10" name="TextBox 9">
@@ -23799,7 +23799,7 @@
             </p:txBody>
           </p:sp>
         </mc:Choice>
-        <mc:Fallback>
+        <mc:Fallback xmlns="">
           <p:sp>
             <p:nvSpPr>
               <p:cNvPr id="10" name="TextBox 9">
@@ -24440,8 +24440,8 @@
           </a:fontRef>
         </p:style>
       </p:cxnSp>
-      <mc:AlternateContent xmlns:mc="http://schemas.openxmlformats.org/markup-compatibility/2006">
-        <mc:Choice xmlns:a14="http://schemas.microsoft.com/office/drawing/2010/main" Requires="a14">
+      <mc:AlternateContent xmlns:mc="http://schemas.openxmlformats.org/markup-compatibility/2006" xmlns:a14="http://schemas.microsoft.com/office/drawing/2010/main">
+        <mc:Choice Requires="a14">
           <p:sp>
             <p:nvSpPr>
               <p:cNvPr id="66" name="TextBox 65">
@@ -24533,7 +24533,7 @@
             </p:txBody>
           </p:sp>
         </mc:Choice>
-        <mc:Fallback>
+        <mc:Fallback xmlns="">
           <p:sp>
             <p:nvSpPr>
               <p:cNvPr id="66" name="TextBox 65">
@@ -25600,8 +25600,8 @@
           </p:sp>
         </mc:Fallback>
       </mc:AlternateContent>
-      <mc:AlternateContent xmlns:mc="http://schemas.openxmlformats.org/markup-compatibility/2006" xmlns:a14="http://schemas.microsoft.com/office/drawing/2010/main">
-        <mc:Choice Requires="a14">
+      <mc:AlternateContent xmlns:mc="http://schemas.openxmlformats.org/markup-compatibility/2006">
+        <mc:Choice xmlns:a14="http://schemas.microsoft.com/office/drawing/2010/main" Requires="a14">
           <p:sp>
             <p:nvSpPr>
               <p:cNvPr id="7" name="TextBox 20">
@@ -25617,7 +25617,7 @@
             <p:spPr>
               <a:xfrm>
                 <a:off x="3468229" y="3013501"/>
-                <a:ext cx="2924198" cy="830997"/>
+                <a:ext cx="2730235" cy="830997"/>
               </a:xfrm>
               <a:prstGeom prst="rect">
                 <a:avLst/>
@@ -25737,7 +25737,7 @@
                 <a14:m>
                   <m:oMath xmlns:m="http://schemas.openxmlformats.org/officeDocument/2006/math">
                     <m:r>
-                      <a:rPr lang="en-US" sz="4800" i="1" smtClean="0">
+                      <a:rPr lang="en-US" sz="4800" b="0" i="1" smtClean="0">
                         <a:solidFill>
                           <a:schemeClr val="accent6">
                             <a:lumMod val="75000"/>
@@ -25746,7 +25746,7 @@
                         <a:latin typeface="Cambria Math" panose="02040503050406030204" pitchFamily="18" charset="0"/>
                         <a:ea typeface="Cambria Math" panose="02040503050406030204" pitchFamily="18" charset="0"/>
                       </a:rPr>
-                      <m:t>⟺</m:t>
+                      <m:t>⇒</m:t>
                     </m:r>
                   </m:oMath>
                 </a14:m>
@@ -25761,7 +25761,7 @@
             </p:txBody>
           </p:sp>
         </mc:Choice>
-        <mc:Fallback xmlns="">
+        <mc:Fallback>
           <p:sp>
             <p:nvSpPr>
               <p:cNvPr id="7" name="TextBox 20">
@@ -25779,7 +25779,7 @@
             <p:spPr>
               <a:xfrm>
                 <a:off x="3468229" y="3013501"/>
-                <a:ext cx="2924198" cy="830997"/>
+                <a:ext cx="2730235" cy="830997"/>
               </a:xfrm>
               <a:prstGeom prst="rect">
                 <a:avLst/>
@@ -25787,7 +25787,7 @@
               <a:blipFill>
                 <a:blip r:embed="rId4"/>
                 <a:stretch>
-                  <a:fillRect l="-9583" t="-16058" b="-37956"/>
+                  <a:fillRect l="-10268" t="-16058" b="-37956"/>
                 </a:stretch>
               </a:blipFill>
             </p:spPr>
